--- a/PPTs/Ch5_ARM_Load_Store_Exercises.pptx
+++ b/PPTs/Ch5_ARM_Load_Store_Exercises.pptx
@@ -5,10 +5,10 @@
     <p:sldMasterId id="2147483686" r:id="rId1"/>
   </p:sldMasterIdLst>
   <p:notesMasterIdLst>
-    <p:notesMasterId r:id="rId13"/>
+    <p:notesMasterId r:id="rId14"/>
   </p:notesMasterIdLst>
   <p:handoutMasterIdLst>
-    <p:handoutMasterId r:id="rId14"/>
+    <p:handoutMasterId r:id="rId15"/>
   </p:handoutMasterIdLst>
   <p:sldIdLst>
     <p:sldId id="385" r:id="rId2"/>
@@ -22,6 +22,7 @@
     <p:sldId id="367" r:id="rId10"/>
     <p:sldId id="365" r:id="rId11"/>
     <p:sldId id="801" r:id="rId12"/>
+    <p:sldId id="804" r:id="rId13"/>
   </p:sldIdLst>
   <p:sldSz cx="9144000" cy="6858000" type="screen4x3"/>
   <p:notesSz cx="9601200" cy="7315200"/>
@@ -206,7 +207,7 @@
 <file path=ppt/revisionInfo.xml><?xml version="1.0" encoding="utf-8"?>
 <p1510:revInfo xmlns:a="http://schemas.openxmlformats.org/drawingml/2006/main" xmlns:r="http://schemas.openxmlformats.org/officeDocument/2006/relationships" xmlns:p1510="http://schemas.microsoft.com/office/powerpoint/2015/10/main">
   <p1510:revLst>
-    <p1510:client id="{93E05C3B-B728-42D2-90B4-B4A194916ABF}" v="1" dt="2025-09-24T22:03:01.381"/>
+    <p1510:client id="{93E05C3B-B728-42D2-90B4-B4A194916ABF}" v="2" dt="2025-09-25T21:59:20.332"/>
   </p1510:revLst>
 </p1510:revInfo>
 </file>
@@ -216,7 +217,7 @@
   <pc:docChgLst>
     <pc:chgData name="Zonghua Gu" userId="9a7e1853e1951ef5" providerId="LiveId" clId="{CF1FAA12-072C-4ED5-BA76-0FFFAEFDB88A}"/>
     <pc:docChg chg="undo custSel addSld delSld modSld sldOrd">
-      <pc:chgData name="Zonghua Gu" userId="9a7e1853e1951ef5" providerId="LiveId" clId="{CF1FAA12-072C-4ED5-BA76-0FFFAEFDB88A}" dt="2025-09-24T22:03:01.373" v="624"/>
+      <pc:chgData name="Zonghua Gu" userId="9a7e1853e1951ef5" providerId="LiveId" clId="{CF1FAA12-072C-4ED5-BA76-0FFFAEFDB88A}" dt="2025-09-25T21:59:22.977" v="626" actId="47"/>
       <pc:docMkLst>
         <pc:docMk/>
       </pc:docMkLst>
@@ -1174,6 +1175,20 @@
           <pc:sldMk cId="3968162788" sldId="801"/>
         </pc:sldMkLst>
       </pc:sldChg>
+      <pc:sldChg chg="add del">
+        <pc:chgData name="Zonghua Gu" userId="9a7e1853e1951ef5" providerId="LiveId" clId="{CF1FAA12-072C-4ED5-BA76-0FFFAEFDB88A}" dt="2025-09-25T21:59:22.977" v="626" actId="47"/>
+        <pc:sldMkLst>
+          <pc:docMk/>
+          <pc:sldMk cId="413444979" sldId="802"/>
+        </pc:sldMkLst>
+      </pc:sldChg>
+      <pc:sldChg chg="add">
+        <pc:chgData name="Zonghua Gu" userId="9a7e1853e1951ef5" providerId="LiveId" clId="{CF1FAA12-072C-4ED5-BA76-0FFFAEFDB88A}" dt="2025-09-25T21:59:20.329" v="625"/>
+        <pc:sldMkLst>
+          <pc:docMk/>
+          <pc:sldMk cId="2882502133" sldId="804"/>
+        </pc:sldMkLst>
+      </pc:sldChg>
     </pc:docChg>
   </pc:docChgLst>
 </pc:chgInfo>
@@ -2409,6 +2424,196 @@
 </p:notes>
 </file>
 
+<file path=ppt/notesSlides/notesSlide7.xml><?xml version="1.0" encoding="utf-8"?>
+<p:notes xmlns:a="http://schemas.openxmlformats.org/drawingml/2006/main" xmlns:r="http://schemas.openxmlformats.org/officeDocument/2006/relationships" xmlns:p="http://schemas.openxmlformats.org/presentationml/2006/main">
+  <p:cSld>
+    <p:spTree>
+      <p:nvGrpSpPr>
+        <p:cNvPr id="1" name="">
+          <a:extLst>
+            <a:ext uri="{FF2B5EF4-FFF2-40B4-BE49-F238E27FC236}">
+              <a16:creationId xmlns:a16="http://schemas.microsoft.com/office/drawing/2014/main" id="{0CDA3867-4610-0FCB-FE13-CBAA94B0C700}"/>
+            </a:ext>
+          </a:extLst>
+        </p:cNvPr>
+        <p:cNvGrpSpPr/>
+        <p:nvPr/>
+      </p:nvGrpSpPr>
+      <p:grpSpPr>
+        <a:xfrm>
+          <a:off x="0" y="0"/>
+          <a:ext cx="0" cy="0"/>
+          <a:chOff x="0" y="0"/>
+          <a:chExt cx="0" cy="0"/>
+        </a:xfrm>
+      </p:grpSpPr>
+      <p:sp>
+        <p:nvSpPr>
+          <p:cNvPr id="2" name="Slide Image Placeholder 1">
+            <a:extLst>
+              <a:ext uri="{FF2B5EF4-FFF2-40B4-BE49-F238E27FC236}">
+                <a16:creationId xmlns:a16="http://schemas.microsoft.com/office/drawing/2014/main" id="{B4519C7F-982C-EA9B-A15F-97625353E835}"/>
+              </a:ext>
+            </a:extLst>
+          </p:cNvPr>
+          <p:cNvSpPr>
+            <a:spLocks noGrp="1" noRot="1" noChangeAspect="1"/>
+          </p:cNvSpPr>
+          <p:nvPr>
+            <p:ph type="sldImg"/>
+          </p:nvPr>
+        </p:nvSpPr>
+        <p:spPr/>
+      </p:sp>
+      <p:sp>
+        <p:nvSpPr>
+          <p:cNvPr id="3" name="Notes Placeholder 2">
+            <a:extLst>
+              <a:ext uri="{FF2B5EF4-FFF2-40B4-BE49-F238E27FC236}">
+                <a16:creationId xmlns:a16="http://schemas.microsoft.com/office/drawing/2014/main" id="{9203BB58-98A9-1D41-2B55-40AF13E8496A}"/>
+              </a:ext>
+            </a:extLst>
+          </p:cNvPr>
+          <p:cNvSpPr>
+            <a:spLocks noGrp="1"/>
+          </p:cNvSpPr>
+          <p:nvPr>
+            <p:ph type="body" idx="1"/>
+          </p:nvPr>
+        </p:nvSpPr>
+        <p:spPr/>
+        <p:txBody>
+          <a:bodyPr/>
+          <a:lstStyle/>
+          <a:p>
+            <a:r>
+              <a:rPr lang="en-US" dirty="0"/>
+              <a:t>You are absolutely correct! For LDRSH R7, [R2, #2] in little-endian, the result is 0x00002345.image.jpg</a:t>
+            </a:r>
+          </a:p>
+          <a:p>
+            <a:r>
+              <a:rPr lang="en-US" dirty="0"/>
+              <a:t>After STR stores 0x23456789 at address 8:</a:t>
+            </a:r>
+          </a:p>
+          <a:p>
+            <a:r>
+              <a:rPr lang="en-US" b="1" dirty="0"/>
+              <a:t>Big-endian layout:</a:t>
+            </a:r>
+          </a:p>
+          <a:p>
+            <a:r>
+              <a:rPr lang="en-US" dirty="0"/>
+              <a:t>Address 8: 0x23, Address 9: 0x45, Address 10: 0x67, Address 11: 0x89</a:t>
+            </a:r>
+          </a:p>
+          <a:p>
+            <a:r>
+              <a:rPr lang="en-US" b="1" dirty="0"/>
+              <a:t>Little-endian layout:</a:t>
+            </a:r>
+          </a:p>
+          <a:p>
+            <a:r>
+              <a:rPr lang="en-US" dirty="0"/>
+              <a:t>Address 8: 0x89, Address 9: 0x67, Address 10: 0x45, Address 11: 0x23</a:t>
+            </a:r>
+          </a:p>
+          <a:p>
+            <a:r>
+              <a:rPr lang="en-US" b="1" dirty="0"/>
+              <a:t>Results for each instruction:</a:t>
+            </a:r>
+          </a:p>
+          <a:p>
+            <a:r>
+              <a:rPr lang="en-US" b="1" dirty="0"/>
+              <a:t>LDRB R7, [R2, #1]</a:t>
+            </a:r>
+            <a:r>
+              <a:rPr lang="en-US" dirty="0"/>
+              <a:t> (byte at address 9):</a:t>
+            </a:r>
+          </a:p>
+          <a:p>
+            <a:r>
+              <a:rPr lang="en-US" dirty="0"/>
+              <a:t>Big-endian: R7 = 0x00000045</a:t>
+            </a:r>
+          </a:p>
+          <a:p>
+            <a:r>
+              <a:rPr lang="en-US" dirty="0"/>
+              <a:t>Little-endian: R7 = 0x00000067</a:t>
+            </a:r>
+          </a:p>
+          <a:p>
+            <a:r>
+              <a:rPr lang="en-US" b="1" dirty="0"/>
+              <a:t>LDRSH R7, [R2, #1]</a:t>
+            </a:r>
+            <a:r>
+              <a:rPr lang="en-US" dirty="0"/>
+              <a:t> (halfword at addresses 9-10):</a:t>
+            </a:r>
+          </a:p>
+          <a:p>
+            <a:r>
+              <a:rPr lang="en-US" dirty="0"/>
+              <a:t>Big-endian: bytes 0x45, 0x67 → 0x4567 → R7 = 0x00004567</a:t>
+            </a:r>
+          </a:p>
+          <a:p>
+            <a:r>
+              <a:rPr lang="en-US" dirty="0"/>
+              <a:t>Little-endian: bytes 0x67, 0x45 → 0x4567 → R7 = 0x00004567</a:t>
+            </a:r>
+          </a:p>
+          <a:p>
+            <a:r>
+              <a:rPr lang="en-US" b="1" dirty="0"/>
+              <a:t>LDRSH R7, [R2, #2]</a:t>
+            </a:r>
+            <a:r>
+              <a:rPr lang="en-US" dirty="0"/>
+              <a:t> (halfword at addresses 10-11):</a:t>
+            </a:r>
+          </a:p>
+          <a:p>
+            <a:r>
+              <a:rPr lang="en-US" dirty="0"/>
+              <a:t>Big-endian: bytes 0x67, 0x89 → 0x6789 → R7 = 0x00006789</a:t>
+            </a:r>
+          </a:p>
+          <a:p>
+            <a:r>
+              <a:rPr lang="en-US" dirty="0"/>
+              <a:t>Little-endian: bytes 0x45, 0x23 → 0x2345 → R7 = 0x00002345</a:t>
+            </a:r>
+          </a:p>
+          <a:p>
+            <a:r>
+              <a:rPr lang="en-US" dirty="0"/>
+              <a:t>I was wrong earlier - in little-endian, the halfword at offset +2 consists of bytes 0x45 (at address 10) and 0x23 (at address 11), which reconstructs to 0x2345, not 0x4523.</a:t>
+            </a:r>
+          </a:p>
+        </p:txBody>
+      </p:sp>
+    </p:spTree>
+    <p:extLst>
+      <p:ext uri="{BB962C8B-B14F-4D97-AF65-F5344CB8AC3E}">
+        <p14:creationId xmlns:p14="http://schemas.microsoft.com/office/powerpoint/2010/main" val="2121441693"/>
+      </p:ext>
+    </p:extLst>
+  </p:cSld>
+  <p:clrMapOvr>
+    <a:masterClrMapping/>
+  </p:clrMapOvr>
+</p:notes>
+</file>
+
 <file path=ppt/slideLayouts/slideLayout1.xml><?xml version="1.0" encoding="utf-8"?>
 <p:sldLayout xmlns:a="http://schemas.openxmlformats.org/drawingml/2006/main" xmlns:r="http://schemas.openxmlformats.org/officeDocument/2006/relationships" xmlns:p="http://schemas.openxmlformats.org/presentationml/2006/main" showMasterSp="0" type="title" preserve="1">
   <p:cSld name="Title Slide">
@@ -2551,7 +2756,7 @@
             <a:fld id="{BA00D299-558C-468E-A8B3-0F5C3BFA45F9}" type="datetime1">
               <a:rPr lang="en-US" smtClean="0"/>
               <a:pPr/>
-              <a:t>9/24/2025</a:t>
+              <a:t>9/25/2025</a:t>
             </a:fld>
             <a:endParaRPr lang="en-US"/>
           </a:p>
@@ -2915,7 +3120,7 @@
             <a:fld id="{8B22D175-8905-42BE-8088-EB39001CF9E2}" type="datetime1">
               <a:rPr lang="en-US" smtClean="0"/>
               <a:pPr/>
-              <a:t>9/24/2025</a:t>
+              <a:t>9/25/2025</a:t>
             </a:fld>
             <a:endParaRPr lang="en-US"/>
           </a:p>
@@ -3094,7 +3299,7 @@
             <a:fld id="{E62AA8DD-1B66-47DA-8A31-5DCDA0DEF224}" type="datetime1">
               <a:rPr lang="en-US" smtClean="0"/>
               <a:pPr/>
-              <a:t>9/24/2025</a:t>
+              <a:t>9/25/2025</a:t>
             </a:fld>
             <a:endParaRPr lang="en-US"/>
           </a:p>
@@ -3333,7 +3538,7 @@
             <a:fld id="{D3A8BFB9-75E0-4A72-9D54-3C687B559A4D}" type="datetime1">
               <a:rPr lang="en-US" smtClean="0"/>
               <a:pPr/>
-              <a:t>9/24/2025</a:t>
+              <a:t>9/25/2025</a:t>
             </a:fld>
             <a:endParaRPr lang="en-US"/>
           </a:p>
@@ -3606,7 +3811,7 @@
             <a:fld id="{E470CD76-7AB7-4744-8178-DC5367B833CD}" type="datetime1">
               <a:rPr lang="en-US" smtClean="0"/>
               <a:pPr/>
-              <a:t>9/24/2025</a:t>
+              <a:t>9/25/2025</a:t>
             </a:fld>
             <a:endParaRPr lang="en-US"/>
           </a:p>
@@ -3830,7 +4035,7 @@
             <a:fld id="{A5E3FC63-82A8-4ACC-B2CB-6D46E8B59216}" type="datetime1">
               <a:rPr lang="en-US" smtClean="0"/>
               <a:pPr/>
-              <a:t>9/24/2025</a:t>
+              <a:t>9/25/2025</a:t>
             </a:fld>
             <a:endParaRPr lang="en-US"/>
           </a:p>
@@ -4186,7 +4391,7 @@
             <a:fld id="{D3A9B8A6-94F4-4AF6-98DE-0FFC617E1C31}" type="datetime1">
               <a:rPr lang="en-US" smtClean="0"/>
               <a:pPr/>
-              <a:t>9/24/2025</a:t>
+              <a:t>9/25/2025</a:t>
             </a:fld>
             <a:endParaRPr lang="en-US"/>
           </a:p>
@@ -4422,7 +4627,7 @@
             <a:fld id="{573CF4FC-8D0E-4C14-A02E-A429C4519FEF}" type="datetime1">
               <a:rPr lang="en-US" smtClean="0"/>
               <a:pPr/>
-              <a:t>9/24/2025</a:t>
+              <a:t>9/25/2025</a:t>
             </a:fld>
             <a:endParaRPr lang="en-US"/>
           </a:p>
@@ -4567,7 +4772,7 @@
             <a:fld id="{06BDC487-A287-485A-B215-4EC98DD3E443}" type="datetime1">
               <a:rPr lang="en-US" smtClean="0"/>
               <a:pPr/>
-              <a:t>9/24/2025</a:t>
+              <a:t>9/25/2025</a:t>
             </a:fld>
             <a:endParaRPr lang="en-US"/>
           </a:p>
@@ -4848,7 +5053,7 @@
             <a:fld id="{46049AC6-4AC4-4D5F-9A1B-0E1C0FF133F9}" type="datetime1">
               <a:rPr lang="en-US" smtClean="0"/>
               <a:pPr/>
-              <a:t>9/24/2025</a:t>
+              <a:t>9/25/2025</a:t>
             </a:fld>
             <a:endParaRPr lang="en-US"/>
           </a:p>
@@ -5259,7 +5464,7 @@
             <a:fld id="{83AF4EF9-9AC8-4842-AFC3-C27337CCABE8}" type="datetime1">
               <a:rPr lang="en-US" smtClean="0"/>
               <a:pPr/>
-              <a:t>9/24/2025</a:t>
+              <a:t>9/25/2025</a:t>
             </a:fld>
             <a:endParaRPr lang="en-US"/>
           </a:p>
@@ -5600,7 +5805,7 @@
             <a:fld id="{8DF0DD18-6EB7-49F7-A70C-A012EDB48BDB}" type="datetime1">
               <a:rPr lang="en-US" smtClean="0"/>
               <a:pPr/>
-              <a:t>9/24/2025</a:t>
+              <a:t>9/25/2025</a:t>
             </a:fld>
             <a:endParaRPr lang="en-US"/>
           </a:p>
@@ -7968,6 +8173,166 @@
     <p:extLst>
       <p:ext uri="{BB962C8B-B14F-4D97-AF65-F5344CB8AC3E}">
         <p14:creationId xmlns:p14="http://schemas.microsoft.com/office/powerpoint/2010/main" val="3968162788"/>
+      </p:ext>
+    </p:extLst>
+  </p:cSld>
+  <p:clrMapOvr>
+    <a:masterClrMapping/>
+  </p:clrMapOvr>
+  <p:transition>
+    <p:pull dir="ru"/>
+  </p:transition>
+</p:sld>
+</file>
+
+<file path=ppt/slides/slide12.xml><?xml version="1.0" encoding="utf-8"?>
+<p:sld xmlns:a="http://schemas.openxmlformats.org/drawingml/2006/main" xmlns:r="http://schemas.openxmlformats.org/officeDocument/2006/relationships" xmlns:p="http://schemas.openxmlformats.org/presentationml/2006/main">
+  <p:cSld>
+    <p:spTree>
+      <p:nvGrpSpPr>
+        <p:cNvPr id="1" name="">
+          <a:extLst>
+            <a:ext uri="{FF2B5EF4-FFF2-40B4-BE49-F238E27FC236}">
+              <a16:creationId xmlns:a16="http://schemas.microsoft.com/office/drawing/2014/main" id="{DD99E08C-929E-B06D-9D5C-D3C07F296464}"/>
+            </a:ext>
+          </a:extLst>
+        </p:cNvPr>
+        <p:cNvGrpSpPr/>
+        <p:nvPr/>
+      </p:nvGrpSpPr>
+      <p:grpSpPr>
+        <a:xfrm>
+          <a:off x="0" y="0"/>
+          <a:ext cx="0" cy="0"/>
+          <a:chOff x="0" y="0"/>
+          <a:chExt cx="0" cy="0"/>
+        </a:xfrm>
+      </p:grpSpPr>
+      <p:sp>
+        <p:nvSpPr>
+          <p:cNvPr id="2" name="Title 1">
+            <a:extLst>
+              <a:ext uri="{FF2B5EF4-FFF2-40B4-BE49-F238E27FC236}">
+                <a16:creationId xmlns:a16="http://schemas.microsoft.com/office/drawing/2014/main" id="{3D61F6C3-9012-39E9-02E8-5A15294CC493}"/>
+              </a:ext>
+            </a:extLst>
+          </p:cNvPr>
+          <p:cNvSpPr>
+            <a:spLocks noGrp="1"/>
+          </p:cNvSpPr>
+          <p:nvPr>
+            <p:ph type="title"/>
+          </p:nvPr>
+        </p:nvSpPr>
+        <p:spPr/>
+        <p:txBody>
+          <a:bodyPr/>
+          <a:lstStyle/>
+          <a:p>
+            <a:r>
+              <a:rPr lang="en-US" dirty="0"/>
+              <a:t>LDR</a:t>
+            </a:r>
+          </a:p>
+        </p:txBody>
+      </p:sp>
+      <p:sp>
+        <p:nvSpPr>
+          <p:cNvPr id="3" name="Slide Number Placeholder 2">
+            <a:extLst>
+              <a:ext uri="{FF2B5EF4-FFF2-40B4-BE49-F238E27FC236}">
+                <a16:creationId xmlns:a16="http://schemas.microsoft.com/office/drawing/2014/main" id="{9AF0EF40-C94A-5BF4-DE58-F56B8F03E0C2}"/>
+              </a:ext>
+            </a:extLst>
+          </p:cNvPr>
+          <p:cNvSpPr>
+            <a:spLocks noGrp="1"/>
+          </p:cNvSpPr>
+          <p:nvPr>
+            <p:ph type="sldNum" sz="quarter" idx="12"/>
+          </p:nvPr>
+        </p:nvSpPr>
+        <p:spPr/>
+        <p:txBody>
+          <a:bodyPr/>
+          <a:lstStyle/>
+          <a:p>
+            <a:fld id="{AEE14D4A-FE32-40AF-B06D-E9622816B101}" type="slidenum">
+              <a:rPr lang="en-US" smtClean="0"/>
+              <a:pPr/>
+              <a:t>12</a:t>
+            </a:fld>
+            <a:endParaRPr lang="en-US"/>
+          </a:p>
+        </p:txBody>
+      </p:sp>
+      <p:sp>
+        <p:nvSpPr>
+          <p:cNvPr id="4" name="Content Placeholder 3">
+            <a:extLst>
+              <a:ext uri="{FF2B5EF4-FFF2-40B4-BE49-F238E27FC236}">
+                <a16:creationId xmlns:a16="http://schemas.microsoft.com/office/drawing/2014/main" id="{0A072226-E71C-C418-9D4C-D783EC4359F1}"/>
+              </a:ext>
+            </a:extLst>
+          </p:cNvPr>
+          <p:cNvSpPr>
+            <a:spLocks noGrp="1"/>
+          </p:cNvSpPr>
+          <p:nvPr>
+            <p:ph sz="quarter" idx="1"/>
+          </p:nvPr>
+        </p:nvSpPr>
+        <p:spPr>
+          <a:xfrm>
+            <a:off x="457200" y="1219200"/>
+            <a:ext cx="8229600" cy="5137150"/>
+          </a:xfrm>
+        </p:spPr>
+        <p:txBody>
+          <a:bodyPr>
+            <a:normAutofit/>
+          </a:bodyPr>
+          <a:lstStyle/>
+          <a:p>
+            <a:r>
+              <a:rPr lang="en-US" dirty="0"/>
+              <a:t>Suppose R2 and R5 hold the values 8 and 0x23456789 After following code runs on a Big-Endian system, what value is in R7? How about in a little-endian system?</a:t>
+            </a:r>
+          </a:p>
+          <a:p>
+            <a:pPr lvl="1"/>
+            <a:r>
+              <a:rPr lang="en-US" dirty="0"/>
+              <a:t>STR R5, [R2, #0]</a:t>
+            </a:r>
+          </a:p>
+          <a:p>
+            <a:pPr lvl="1"/>
+            <a:r>
+              <a:rPr lang="en-US" dirty="0"/>
+              <a:t>LDRB R7, [R2, #1]</a:t>
+            </a:r>
+          </a:p>
+          <a:p>
+            <a:pPr lvl="1"/>
+            <a:r>
+              <a:rPr lang="en-US" dirty="0"/>
+              <a:t>LDRSH R7, [R2, #1]</a:t>
+            </a:r>
+          </a:p>
+          <a:p>
+            <a:pPr lvl="1"/>
+            <a:r>
+              <a:rPr lang="en-US" dirty="0"/>
+              <a:t>LDRSH R7, [R2, #2]</a:t>
+            </a:r>
+          </a:p>
+        </p:txBody>
+      </p:sp>
+    </p:spTree>
+    <p:extLst>
+      <p:ext uri="{BB962C8B-B14F-4D97-AF65-F5344CB8AC3E}">
+        <p14:creationId xmlns:p14="http://schemas.microsoft.com/office/powerpoint/2010/main" val="2882502133"/>
       </p:ext>
     </p:extLst>
   </p:cSld>
